--- a/Presentations/Working with AWS EC2 Instances.pptx
+++ b/Presentations/Working with AWS EC2 Instances.pptx
@@ -7,6 +7,9 @@
   <p:sldIdLst>
     <p:sldId id="256" r:id="rId2"/>
     <p:sldId id="257" r:id="rId3"/>
+    <p:sldId id="258" r:id="rId4"/>
+    <p:sldId id="259" r:id="rId5"/>
+    <p:sldId id="260" r:id="rId6"/>
   </p:sldIdLst>
   <p:sldSz cx="12192000" cy="6858000"/>
   <p:notesSz cx="6858000" cy="9144000"/>
@@ -113,21 +116,402 @@
 </p:presentation>
 </file>
 
+<file path=ppt/revisionInfo.xml><?xml version="1.0" encoding="utf-8"?>
+<p1510:revInfo xmlns:a="http://schemas.openxmlformats.org/drawingml/2006/main" xmlns:r="http://schemas.openxmlformats.org/officeDocument/2006/relationships" xmlns:p1510="http://schemas.microsoft.com/office/powerpoint/2015/10/main">
+  <p1510:revLst>
+    <p1510:client id="{3AA048EE-8E97-419E-B6DC-A0608BC6C72E}" v="5" dt="2022-09-07T19:30:18.236"/>
+  </p1510:revLst>
+</p1510:revInfo>
+</file>
+
 <file path=ppt/changesInfos/changesInfo1.xml><?xml version="1.0" encoding="utf-8"?>
 <pc:chgInfo xmlns:a="http://schemas.openxmlformats.org/drawingml/2006/main" xmlns:r="http://schemas.openxmlformats.org/officeDocument/2006/relationships" xmlns:ac="http://schemas.microsoft.com/office/drawing/2013/main/command" xmlns:pc="http://schemas.microsoft.com/office/powerpoint/2013/main/command">
   <pc:docChgLst>
     <pc:chgData name="Michael Clear" userId="4937e60f41873431" providerId="LiveId" clId="{3AA048EE-8E97-419E-B6DC-A0608BC6C72E}"/>
-    <pc:docChg chg="addSld">
-      <pc:chgData name="Michael Clear" userId="4937e60f41873431" providerId="LiveId" clId="{3AA048EE-8E97-419E-B6DC-A0608BC6C72E}" dt="2022-09-06T16:37:03.445" v="0" actId="680"/>
+    <pc:docChg chg="undo custSel addSld modSld">
+      <pc:chgData name="Michael Clear" userId="4937e60f41873431" providerId="LiveId" clId="{3AA048EE-8E97-419E-B6DC-A0608BC6C72E}" dt="2022-09-07T19:33:35.728" v="2000" actId="207"/>
       <pc:docMkLst>
         <pc:docMk/>
       </pc:docMkLst>
-      <pc:sldChg chg="new">
-        <pc:chgData name="Michael Clear" userId="4937e60f41873431" providerId="LiveId" clId="{3AA048EE-8E97-419E-B6DC-A0608BC6C72E}" dt="2022-09-06T16:37:03.445" v="0" actId="680"/>
+      <pc:sldChg chg="addSp delSp modSp new mod">
+        <pc:chgData name="Michael Clear" userId="4937e60f41873431" providerId="LiveId" clId="{3AA048EE-8E97-419E-B6DC-A0608BC6C72E}" dt="2022-09-07T19:09:00.102" v="557" actId="20577"/>
         <pc:sldMkLst>
           <pc:docMk/>
           <pc:sldMk cId="3415205035" sldId="257"/>
         </pc:sldMkLst>
+        <pc:spChg chg="mod">
+          <ac:chgData name="Michael Clear" userId="4937e60f41873431" providerId="LiveId" clId="{3AA048EE-8E97-419E-B6DC-A0608BC6C72E}" dt="2022-09-07T18:57:51.990" v="35" actId="20577"/>
+          <ac:spMkLst>
+            <pc:docMk/>
+            <pc:sldMk cId="3415205035" sldId="257"/>
+            <ac:spMk id="2" creationId="{15AD9145-943F-A8EA-DBA3-A921A441C00F}"/>
+          </ac:spMkLst>
+        </pc:spChg>
+        <pc:spChg chg="del">
+          <ac:chgData name="Michael Clear" userId="4937e60f41873431" providerId="LiveId" clId="{3AA048EE-8E97-419E-B6DC-A0608BC6C72E}" dt="2022-09-07T18:57:55.426" v="36" actId="478"/>
+          <ac:spMkLst>
+            <pc:docMk/>
+            <pc:sldMk cId="3415205035" sldId="257"/>
+            <ac:spMk id="3" creationId="{07161D15-74EC-6A0F-02B1-D8A0F095481A}"/>
+          </ac:spMkLst>
+        </pc:spChg>
+        <pc:spChg chg="add mod">
+          <ac:chgData name="Michael Clear" userId="4937e60f41873431" providerId="LiveId" clId="{3AA048EE-8E97-419E-B6DC-A0608BC6C72E}" dt="2022-09-07T19:04:06.215" v="191" actId="20577"/>
+          <ac:spMkLst>
+            <pc:docMk/>
+            <pc:sldMk cId="3415205035" sldId="257"/>
+            <ac:spMk id="4" creationId="{C10A08DF-38D8-7C0E-07B9-BACECFC93187}"/>
+          </ac:spMkLst>
+        </pc:spChg>
+        <pc:spChg chg="add mod">
+          <ac:chgData name="Michael Clear" userId="4937e60f41873431" providerId="LiveId" clId="{3AA048EE-8E97-419E-B6DC-A0608BC6C72E}" dt="2022-09-07T19:04:20.881" v="206" actId="1076"/>
+          <ac:spMkLst>
+            <pc:docMk/>
+            <pc:sldMk cId="3415205035" sldId="257"/>
+            <ac:spMk id="6" creationId="{EAEAFD53-846E-A7C6-0257-1AEFFFF522C8}"/>
+          </ac:spMkLst>
+        </pc:spChg>
+        <pc:spChg chg="add mod">
+          <ac:chgData name="Michael Clear" userId="4937e60f41873431" providerId="LiveId" clId="{3AA048EE-8E97-419E-B6DC-A0608BC6C72E}" dt="2022-09-07T19:05:33.972" v="370" actId="20577"/>
+          <ac:spMkLst>
+            <pc:docMk/>
+            <pc:sldMk cId="3415205035" sldId="257"/>
+            <ac:spMk id="8" creationId="{3B165DD6-CA6C-7BD2-3FEE-74E7BC4692E5}"/>
+          </ac:spMkLst>
+        </pc:spChg>
+        <pc:spChg chg="add mod">
+          <ac:chgData name="Michael Clear" userId="4937e60f41873431" providerId="LiveId" clId="{3AA048EE-8E97-419E-B6DC-A0608BC6C72E}" dt="2022-09-07T19:09:00.102" v="557" actId="20577"/>
+          <ac:spMkLst>
+            <pc:docMk/>
+            <pc:sldMk cId="3415205035" sldId="257"/>
+            <ac:spMk id="10" creationId="{1A602A3B-A76F-E9EA-0319-38A325DD240E}"/>
+          </ac:spMkLst>
+        </pc:spChg>
+      </pc:sldChg>
+      <pc:sldChg chg="addSp delSp modSp add mod">
+        <pc:chgData name="Michael Clear" userId="4937e60f41873431" providerId="LiveId" clId="{3AA048EE-8E97-419E-B6DC-A0608BC6C72E}" dt="2022-09-07T19:12:42.792" v="692" actId="20577"/>
+        <pc:sldMkLst>
+          <pc:docMk/>
+          <pc:sldMk cId="324031245" sldId="258"/>
+        </pc:sldMkLst>
+        <pc:spChg chg="mod">
+          <ac:chgData name="Michael Clear" userId="4937e60f41873431" providerId="LiveId" clId="{3AA048EE-8E97-419E-B6DC-A0608BC6C72E}" dt="2022-09-07T19:09:48.070" v="592" actId="20577"/>
+          <ac:spMkLst>
+            <pc:docMk/>
+            <pc:sldMk cId="324031245" sldId="258"/>
+            <ac:spMk id="2" creationId="{15AD9145-943F-A8EA-DBA3-A921A441C00F}"/>
+          </ac:spMkLst>
+        </pc:spChg>
+        <pc:spChg chg="mod">
+          <ac:chgData name="Michael Clear" userId="4937e60f41873431" providerId="LiveId" clId="{3AA048EE-8E97-419E-B6DC-A0608BC6C72E}" dt="2022-09-07T19:10:15.603" v="607" actId="1076"/>
+          <ac:spMkLst>
+            <pc:docMk/>
+            <pc:sldMk cId="324031245" sldId="258"/>
+            <ac:spMk id="4" creationId="{C10A08DF-38D8-7C0E-07B9-BACECFC93187}"/>
+          </ac:spMkLst>
+        </pc:spChg>
+        <pc:spChg chg="add mod">
+          <ac:chgData name="Michael Clear" userId="4937e60f41873431" providerId="LiveId" clId="{3AA048EE-8E97-419E-B6DC-A0608BC6C72E}" dt="2022-09-07T19:10:59.392" v="616" actId="1076"/>
+          <ac:spMkLst>
+            <pc:docMk/>
+            <pc:sldMk cId="324031245" sldId="258"/>
+            <ac:spMk id="5" creationId="{A0056102-8B3C-11BA-7342-EDB1D51382AC}"/>
+          </ac:spMkLst>
+        </pc:spChg>
+        <pc:spChg chg="del">
+          <ac:chgData name="Michael Clear" userId="4937e60f41873431" providerId="LiveId" clId="{3AA048EE-8E97-419E-B6DC-A0608BC6C72E}" dt="2022-09-07T19:09:53.385" v="595" actId="478"/>
+          <ac:spMkLst>
+            <pc:docMk/>
+            <pc:sldMk cId="324031245" sldId="258"/>
+            <ac:spMk id="6" creationId="{EAEAFD53-846E-A7C6-0257-1AEFFFF522C8}"/>
+          </ac:spMkLst>
+        </pc:spChg>
+        <pc:spChg chg="del">
+          <ac:chgData name="Michael Clear" userId="4937e60f41873431" providerId="LiveId" clId="{3AA048EE-8E97-419E-B6DC-A0608BC6C72E}" dt="2022-09-07T19:09:52.763" v="594" actId="478"/>
+          <ac:spMkLst>
+            <pc:docMk/>
+            <pc:sldMk cId="324031245" sldId="258"/>
+            <ac:spMk id="8" creationId="{3B165DD6-CA6C-7BD2-3FEE-74E7BC4692E5}"/>
+          </ac:spMkLst>
+        </pc:spChg>
+        <pc:spChg chg="add mod">
+          <ac:chgData name="Michael Clear" userId="4937e60f41873431" providerId="LiveId" clId="{3AA048EE-8E97-419E-B6DC-A0608BC6C72E}" dt="2022-09-07T19:11:15.432" v="628" actId="1035"/>
+          <ac:spMkLst>
+            <pc:docMk/>
+            <pc:sldMk cId="324031245" sldId="258"/>
+            <ac:spMk id="9" creationId="{55866A93-7099-EE24-BE94-776A048099CB}"/>
+          </ac:spMkLst>
+        </pc:spChg>
+        <pc:spChg chg="del">
+          <ac:chgData name="Michael Clear" userId="4937e60f41873431" providerId="LiveId" clId="{3AA048EE-8E97-419E-B6DC-A0608BC6C72E}" dt="2022-09-07T19:09:51.620" v="593" actId="478"/>
+          <ac:spMkLst>
+            <pc:docMk/>
+            <pc:sldMk cId="324031245" sldId="258"/>
+            <ac:spMk id="10" creationId="{1A602A3B-A76F-E9EA-0319-38A325DD240E}"/>
+          </ac:spMkLst>
+        </pc:spChg>
+        <pc:spChg chg="add mod">
+          <ac:chgData name="Michael Clear" userId="4937e60f41873431" providerId="LiveId" clId="{3AA048EE-8E97-419E-B6DC-A0608BC6C72E}" dt="2022-09-07T19:11:41.162" v="633" actId="1076"/>
+          <ac:spMkLst>
+            <pc:docMk/>
+            <pc:sldMk cId="324031245" sldId="258"/>
+            <ac:spMk id="12" creationId="{96C5818E-3572-58D0-DF82-11743F5B030C}"/>
+          </ac:spMkLst>
+        </pc:spChg>
+        <pc:spChg chg="add mod">
+          <ac:chgData name="Michael Clear" userId="4937e60f41873431" providerId="LiveId" clId="{3AA048EE-8E97-419E-B6DC-A0608BC6C72E}" dt="2022-09-07T19:12:12.543" v="666" actId="1076"/>
+          <ac:spMkLst>
+            <pc:docMk/>
+            <pc:sldMk cId="324031245" sldId="258"/>
+            <ac:spMk id="13" creationId="{2EF8BBAC-6BEF-75EE-87DB-CB970CE723DD}"/>
+          </ac:spMkLst>
+        </pc:spChg>
+        <pc:spChg chg="add mod">
+          <ac:chgData name="Michael Clear" userId="4937e60f41873431" providerId="LiveId" clId="{3AA048EE-8E97-419E-B6DC-A0608BC6C72E}" dt="2022-09-07T19:12:22.646" v="678" actId="20577"/>
+          <ac:spMkLst>
+            <pc:docMk/>
+            <pc:sldMk cId="324031245" sldId="258"/>
+            <ac:spMk id="15" creationId="{2F712BB4-A963-43F3-4CA2-05E79943CD5F}"/>
+          </ac:spMkLst>
+        </pc:spChg>
+        <pc:spChg chg="add mod">
+          <ac:chgData name="Michael Clear" userId="4937e60f41873431" providerId="LiveId" clId="{3AA048EE-8E97-419E-B6DC-A0608BC6C72E}" dt="2022-09-07T19:12:42.792" v="692" actId="20577"/>
+          <ac:spMkLst>
+            <pc:docMk/>
+            <pc:sldMk cId="324031245" sldId="258"/>
+            <ac:spMk id="17" creationId="{1139BEED-50BA-1615-8644-6B38A2C70E98}"/>
+          </ac:spMkLst>
+        </pc:spChg>
+      </pc:sldChg>
+      <pc:sldChg chg="addSp delSp modSp add mod">
+        <pc:chgData name="Michael Clear" userId="4937e60f41873431" providerId="LiveId" clId="{3AA048EE-8E97-419E-B6DC-A0608BC6C72E}" dt="2022-09-07T19:30:10.386" v="1466" actId="20577"/>
+        <pc:sldMkLst>
+          <pc:docMk/>
+          <pc:sldMk cId="2831387864" sldId="259"/>
+        </pc:sldMkLst>
+        <pc:spChg chg="mod">
+          <ac:chgData name="Michael Clear" userId="4937e60f41873431" providerId="LiveId" clId="{3AA048EE-8E97-419E-B6DC-A0608BC6C72E}" dt="2022-09-07T19:27:11.272" v="1334" actId="20577"/>
+          <ac:spMkLst>
+            <pc:docMk/>
+            <pc:sldMk cId="2831387864" sldId="259"/>
+            <ac:spMk id="2" creationId="{15AD9145-943F-A8EA-DBA3-A921A441C00F}"/>
+          </ac:spMkLst>
+        </pc:spChg>
+        <pc:spChg chg="del">
+          <ac:chgData name="Michael Clear" userId="4937e60f41873431" providerId="LiveId" clId="{3AA048EE-8E97-419E-B6DC-A0608BC6C72E}" dt="2022-09-07T19:13:19.716" v="764" actId="478"/>
+          <ac:spMkLst>
+            <pc:docMk/>
+            <pc:sldMk cId="2831387864" sldId="259"/>
+            <ac:spMk id="4" creationId="{C10A08DF-38D8-7C0E-07B9-BACECFC93187}"/>
+          </ac:spMkLst>
+        </pc:spChg>
+        <pc:spChg chg="del">
+          <ac:chgData name="Michael Clear" userId="4937e60f41873431" providerId="LiveId" clId="{3AA048EE-8E97-419E-B6DC-A0608BC6C72E}" dt="2022-09-07T19:13:16.492" v="763" actId="478"/>
+          <ac:spMkLst>
+            <pc:docMk/>
+            <pc:sldMk cId="2831387864" sldId="259"/>
+            <ac:spMk id="5" creationId="{A0056102-8B3C-11BA-7342-EDB1D51382AC}"/>
+          </ac:spMkLst>
+        </pc:spChg>
+        <pc:spChg chg="add del mod">
+          <ac:chgData name="Michael Clear" userId="4937e60f41873431" providerId="LiveId" clId="{3AA048EE-8E97-419E-B6DC-A0608BC6C72E}" dt="2022-09-07T19:22:31.491" v="1161" actId="478"/>
+          <ac:spMkLst>
+            <pc:docMk/>
+            <pc:sldMk cId="2831387864" sldId="259"/>
+            <ac:spMk id="6" creationId="{77429D86-0C27-5379-5C2C-9EDC85DB552A}"/>
+          </ac:spMkLst>
+        </pc:spChg>
+        <pc:spChg chg="add mod">
+          <ac:chgData name="Michael Clear" userId="4937e60f41873431" providerId="LiveId" clId="{3AA048EE-8E97-419E-B6DC-A0608BC6C72E}" dt="2022-09-07T19:26:42.014" v="1304" actId="207"/>
+          <ac:spMkLst>
+            <pc:docMk/>
+            <pc:sldMk cId="2831387864" sldId="259"/>
+            <ac:spMk id="8" creationId="{0D61A5D8-55C3-DD5E-8DBF-278851301695}"/>
+          </ac:spMkLst>
+        </pc:spChg>
+        <pc:spChg chg="del">
+          <ac:chgData name="Michael Clear" userId="4937e60f41873431" providerId="LiveId" clId="{3AA048EE-8E97-419E-B6DC-A0608BC6C72E}" dt="2022-09-07T19:13:16.492" v="763" actId="478"/>
+          <ac:spMkLst>
+            <pc:docMk/>
+            <pc:sldMk cId="2831387864" sldId="259"/>
+            <ac:spMk id="9" creationId="{55866A93-7099-EE24-BE94-776A048099CB}"/>
+          </ac:spMkLst>
+        </pc:spChg>
+        <pc:spChg chg="add mod">
+          <ac:chgData name="Michael Clear" userId="4937e60f41873431" providerId="LiveId" clId="{3AA048EE-8E97-419E-B6DC-A0608BC6C72E}" dt="2022-09-07T19:22:30.682" v="1159" actId="1076"/>
+          <ac:spMkLst>
+            <pc:docMk/>
+            <pc:sldMk cId="2831387864" sldId="259"/>
+            <ac:spMk id="11" creationId="{739A671D-1E9E-9186-3CE4-A4446F97BBE9}"/>
+          </ac:spMkLst>
+        </pc:spChg>
+        <pc:spChg chg="del">
+          <ac:chgData name="Michael Clear" userId="4937e60f41873431" providerId="LiveId" clId="{3AA048EE-8E97-419E-B6DC-A0608BC6C72E}" dt="2022-09-07T19:13:16.492" v="763" actId="478"/>
+          <ac:spMkLst>
+            <pc:docMk/>
+            <pc:sldMk cId="2831387864" sldId="259"/>
+            <ac:spMk id="12" creationId="{96C5818E-3572-58D0-DF82-11743F5B030C}"/>
+          </ac:spMkLst>
+        </pc:spChg>
+        <pc:spChg chg="del">
+          <ac:chgData name="Michael Clear" userId="4937e60f41873431" providerId="LiveId" clId="{3AA048EE-8E97-419E-B6DC-A0608BC6C72E}" dt="2022-09-07T19:13:16.492" v="763" actId="478"/>
+          <ac:spMkLst>
+            <pc:docMk/>
+            <pc:sldMk cId="2831387864" sldId="259"/>
+            <ac:spMk id="13" creationId="{2EF8BBAC-6BEF-75EE-87DB-CB970CE723DD}"/>
+          </ac:spMkLst>
+        </pc:spChg>
+        <pc:spChg chg="del">
+          <ac:chgData name="Michael Clear" userId="4937e60f41873431" providerId="LiveId" clId="{3AA048EE-8E97-419E-B6DC-A0608BC6C72E}" dt="2022-09-07T19:13:16.492" v="763" actId="478"/>
+          <ac:spMkLst>
+            <pc:docMk/>
+            <pc:sldMk cId="2831387864" sldId="259"/>
+            <ac:spMk id="15" creationId="{2F712BB4-A963-43F3-4CA2-05E79943CD5F}"/>
+          </ac:spMkLst>
+        </pc:spChg>
+        <pc:spChg chg="add mod">
+          <ac:chgData name="Michael Clear" userId="4937e60f41873431" providerId="LiveId" clId="{3AA048EE-8E97-419E-B6DC-A0608BC6C72E}" dt="2022-09-07T19:18:30.013" v="1057" actId="1076"/>
+          <ac:spMkLst>
+            <pc:docMk/>
+            <pc:sldMk cId="2831387864" sldId="259"/>
+            <ac:spMk id="16" creationId="{A0632099-B103-2A5B-CC6D-558C344B1667}"/>
+          </ac:spMkLst>
+        </pc:spChg>
+        <pc:spChg chg="del">
+          <ac:chgData name="Michael Clear" userId="4937e60f41873431" providerId="LiveId" clId="{3AA048EE-8E97-419E-B6DC-A0608BC6C72E}" dt="2022-09-07T19:13:16.492" v="763" actId="478"/>
+          <ac:spMkLst>
+            <pc:docMk/>
+            <pc:sldMk cId="2831387864" sldId="259"/>
+            <ac:spMk id="17" creationId="{1139BEED-50BA-1615-8644-6B38A2C70E98}"/>
+          </ac:spMkLst>
+        </pc:spChg>
+        <pc:spChg chg="add del mod">
+          <ac:chgData name="Michael Clear" userId="4937e60f41873431" providerId="LiveId" clId="{3AA048EE-8E97-419E-B6DC-A0608BC6C72E}" dt="2022-09-07T19:23:12.417" v="1229" actId="478"/>
+          <ac:spMkLst>
+            <pc:docMk/>
+            <pc:sldMk cId="2831387864" sldId="259"/>
+            <ac:spMk id="19" creationId="{DC46044F-86C5-905C-8AA9-0CB11C721D15}"/>
+          </ac:spMkLst>
+        </pc:spChg>
+        <pc:spChg chg="add mod">
+          <ac:chgData name="Michael Clear" userId="4937e60f41873431" providerId="LiveId" clId="{3AA048EE-8E97-419E-B6DC-A0608BC6C72E}" dt="2022-09-07T19:26:05.545" v="1263" actId="20577"/>
+          <ac:spMkLst>
+            <pc:docMk/>
+            <pc:sldMk cId="2831387864" sldId="259"/>
+            <ac:spMk id="21" creationId="{4201C424-7E2C-60A6-F932-4ED899486CF2}"/>
+          </ac:spMkLst>
+        </pc:spChg>
+        <pc:spChg chg="add del mod">
+          <ac:chgData name="Michael Clear" userId="4937e60f41873431" providerId="LiveId" clId="{3AA048EE-8E97-419E-B6DC-A0608BC6C72E}" dt="2022-09-07T19:29:34.025" v="1353" actId="1076"/>
+          <ac:spMkLst>
+            <pc:docMk/>
+            <pc:sldMk cId="2831387864" sldId="259"/>
+            <ac:spMk id="23" creationId="{324FC1DF-B7FA-0BE1-461E-C508EB0882BB}"/>
+          </ac:spMkLst>
+        </pc:spChg>
+        <pc:spChg chg="add mod">
+          <ac:chgData name="Michael Clear" userId="4937e60f41873431" providerId="LiveId" clId="{3AA048EE-8E97-419E-B6DC-A0608BC6C72E}" dt="2022-09-07T19:29:27.596" v="1350" actId="20577"/>
+          <ac:spMkLst>
+            <pc:docMk/>
+            <pc:sldMk cId="2831387864" sldId="259"/>
+            <ac:spMk id="25" creationId="{14622150-8404-2043-EEF6-327C3E12807D}"/>
+          </ac:spMkLst>
+        </pc:spChg>
+        <pc:spChg chg="add mod">
+          <ac:chgData name="Michael Clear" userId="4937e60f41873431" providerId="LiveId" clId="{3AA048EE-8E97-419E-B6DC-A0608BC6C72E}" dt="2022-09-07T19:30:10.386" v="1466" actId="20577"/>
+          <ac:spMkLst>
+            <pc:docMk/>
+            <pc:sldMk cId="2831387864" sldId="259"/>
+            <ac:spMk id="27" creationId="{B6F38ABD-0B17-422E-65A3-42B7F005B3A5}"/>
+          </ac:spMkLst>
+        </pc:spChg>
+      </pc:sldChg>
+      <pc:sldChg chg="addSp delSp modSp add mod">
+        <pc:chgData name="Michael Clear" userId="4937e60f41873431" providerId="LiveId" clId="{3AA048EE-8E97-419E-B6DC-A0608BC6C72E}" dt="2022-09-07T19:33:35.728" v="2000" actId="207"/>
+        <pc:sldMkLst>
+          <pc:docMk/>
+          <pc:sldMk cId="646006551" sldId="260"/>
+        </pc:sldMkLst>
+        <pc:spChg chg="mod">
+          <ac:chgData name="Michael Clear" userId="4937e60f41873431" providerId="LiveId" clId="{3AA048EE-8E97-419E-B6DC-A0608BC6C72E}" dt="2022-09-07T19:30:56.416" v="1563" actId="20577"/>
+          <ac:spMkLst>
+            <pc:docMk/>
+            <pc:sldMk cId="646006551" sldId="260"/>
+            <ac:spMk id="2" creationId="{15AD9145-943F-A8EA-DBA3-A921A441C00F}"/>
+          </ac:spMkLst>
+        </pc:spChg>
+        <pc:spChg chg="add mod">
+          <ac:chgData name="Michael Clear" userId="4937e60f41873431" providerId="LiveId" clId="{3AA048EE-8E97-419E-B6DC-A0608BC6C72E}" dt="2022-09-07T19:33:35.728" v="2000" actId="207"/>
+          <ac:spMkLst>
+            <pc:docMk/>
+            <pc:sldMk cId="646006551" sldId="260"/>
+            <ac:spMk id="4" creationId="{6A2B2B4C-C64A-CDDB-8300-5BC63167AED4}"/>
+          </ac:spMkLst>
+        </pc:spChg>
+        <pc:spChg chg="mod">
+          <ac:chgData name="Michael Clear" userId="4937e60f41873431" providerId="LiveId" clId="{3AA048EE-8E97-419E-B6DC-A0608BC6C72E}" dt="2022-09-07T19:31:37.323" v="1686" actId="14100"/>
+          <ac:spMkLst>
+            <pc:docMk/>
+            <pc:sldMk cId="646006551" sldId="260"/>
+            <ac:spMk id="6" creationId="{77429D86-0C27-5379-5C2C-9EDC85DB552A}"/>
+          </ac:spMkLst>
+        </pc:spChg>
+        <pc:spChg chg="del">
+          <ac:chgData name="Michael Clear" userId="4937e60f41873431" providerId="LiveId" clId="{3AA048EE-8E97-419E-B6DC-A0608BC6C72E}" dt="2022-09-07T19:31:02.528" v="1566" actId="478"/>
+          <ac:spMkLst>
+            <pc:docMk/>
+            <pc:sldMk cId="646006551" sldId="260"/>
+            <ac:spMk id="8" creationId="{0D61A5D8-55C3-DD5E-8DBF-278851301695}"/>
+          </ac:spMkLst>
+        </pc:spChg>
+        <pc:spChg chg="del">
+          <ac:chgData name="Michael Clear" userId="4937e60f41873431" providerId="LiveId" clId="{3AA048EE-8E97-419E-B6DC-A0608BC6C72E}" dt="2022-09-07T19:31:03.456" v="1567" actId="478"/>
+          <ac:spMkLst>
+            <pc:docMk/>
+            <pc:sldMk cId="646006551" sldId="260"/>
+            <ac:spMk id="11" creationId="{739A671D-1E9E-9186-3CE4-A4446F97BBE9}"/>
+          </ac:spMkLst>
+        </pc:spChg>
+        <pc:spChg chg="del">
+          <ac:chgData name="Michael Clear" userId="4937e60f41873431" providerId="LiveId" clId="{3AA048EE-8E97-419E-B6DC-A0608BC6C72E}" dt="2022-09-07T19:31:07.177" v="1568" actId="478"/>
+          <ac:spMkLst>
+            <pc:docMk/>
+            <pc:sldMk cId="646006551" sldId="260"/>
+            <ac:spMk id="16" creationId="{A0632099-B103-2A5B-CC6D-558C344B1667}"/>
+          </ac:spMkLst>
+        </pc:spChg>
+        <pc:spChg chg="mod">
+          <ac:chgData name="Michael Clear" userId="4937e60f41873431" providerId="LiveId" clId="{3AA048EE-8E97-419E-B6DC-A0608BC6C72E}" dt="2022-09-07T19:32:45.064" v="1844" actId="1076"/>
+          <ac:spMkLst>
+            <pc:docMk/>
+            <pc:sldMk cId="646006551" sldId="260"/>
+            <ac:spMk id="21" creationId="{4201C424-7E2C-60A6-F932-4ED899486CF2}"/>
+          </ac:spMkLst>
+        </pc:spChg>
+        <pc:spChg chg="mod">
+          <ac:chgData name="Michael Clear" userId="4937e60f41873431" providerId="LiveId" clId="{3AA048EE-8E97-419E-B6DC-A0608BC6C72E}" dt="2022-09-07T19:32:02.490" v="1751" actId="20577"/>
+          <ac:spMkLst>
+            <pc:docMk/>
+            <pc:sldMk cId="646006551" sldId="260"/>
+            <ac:spMk id="23" creationId="{324FC1DF-B7FA-0BE1-461E-C508EB0882BB}"/>
+          </ac:spMkLst>
+        </pc:spChg>
+        <pc:spChg chg="del">
+          <ac:chgData name="Michael Clear" userId="4937e60f41873431" providerId="LiveId" clId="{3AA048EE-8E97-419E-B6DC-A0608BC6C72E}" dt="2022-09-07T19:31:01.150" v="1565" actId="478"/>
+          <ac:spMkLst>
+            <pc:docMk/>
+            <pc:sldMk cId="646006551" sldId="260"/>
+            <ac:spMk id="25" creationId="{14622150-8404-2043-EEF6-327C3E12807D}"/>
+          </ac:spMkLst>
+        </pc:spChg>
+        <pc:spChg chg="del">
+          <ac:chgData name="Michael Clear" userId="4937e60f41873431" providerId="LiveId" clId="{3AA048EE-8E97-419E-B6DC-A0608BC6C72E}" dt="2022-09-07T19:31:00.242" v="1564" actId="478"/>
+          <ac:spMkLst>
+            <pc:docMk/>
+            <pc:sldMk cId="646006551" sldId="260"/>
+            <ac:spMk id="27" creationId="{B6F38ABD-0B17-422E-65A3-42B7F005B3A5}"/>
+          </ac:spMkLst>
+        </pc:spChg>
       </pc:sldChg>
     </pc:docChg>
   </pc:docChgLst>
@@ -281,7 +665,7 @@
           <a:p>
             <a:fld id="{EB2CBA77-04AE-448A-9720-4A70C0B75865}" type="datetimeFigureOut">
               <a:rPr lang="en-US" smtClean="0"/>
-              <a:t>9/6/2022</a:t>
+              <a:t>9/7/2022</a:t>
             </a:fld>
             <a:endParaRPr lang="en-US"/>
           </a:p>
@@ -479,7 +863,7 @@
           <a:p>
             <a:fld id="{EB2CBA77-04AE-448A-9720-4A70C0B75865}" type="datetimeFigureOut">
               <a:rPr lang="en-US" smtClean="0"/>
-              <a:t>9/6/2022</a:t>
+              <a:t>9/7/2022</a:t>
             </a:fld>
             <a:endParaRPr lang="en-US"/>
           </a:p>
@@ -687,7 +1071,7 @@
           <a:p>
             <a:fld id="{EB2CBA77-04AE-448A-9720-4A70C0B75865}" type="datetimeFigureOut">
               <a:rPr lang="en-US" smtClean="0"/>
-              <a:t>9/6/2022</a:t>
+              <a:t>9/7/2022</a:t>
             </a:fld>
             <a:endParaRPr lang="en-US"/>
           </a:p>
@@ -885,7 +1269,7 @@
           <a:p>
             <a:fld id="{EB2CBA77-04AE-448A-9720-4A70C0B75865}" type="datetimeFigureOut">
               <a:rPr lang="en-US" smtClean="0"/>
-              <a:t>9/6/2022</a:t>
+              <a:t>9/7/2022</a:t>
             </a:fld>
             <a:endParaRPr lang="en-US"/>
           </a:p>
@@ -1160,7 +1544,7 @@
           <a:p>
             <a:fld id="{EB2CBA77-04AE-448A-9720-4A70C0B75865}" type="datetimeFigureOut">
               <a:rPr lang="en-US" smtClean="0"/>
-              <a:t>9/6/2022</a:t>
+              <a:t>9/7/2022</a:t>
             </a:fld>
             <a:endParaRPr lang="en-US"/>
           </a:p>
@@ -1425,7 +1809,7 @@
           <a:p>
             <a:fld id="{EB2CBA77-04AE-448A-9720-4A70C0B75865}" type="datetimeFigureOut">
               <a:rPr lang="en-US" smtClean="0"/>
-              <a:t>9/6/2022</a:t>
+              <a:t>9/7/2022</a:t>
             </a:fld>
             <a:endParaRPr lang="en-US"/>
           </a:p>
@@ -1837,7 +2221,7 @@
           <a:p>
             <a:fld id="{EB2CBA77-04AE-448A-9720-4A70C0B75865}" type="datetimeFigureOut">
               <a:rPr lang="en-US" smtClean="0"/>
-              <a:t>9/6/2022</a:t>
+              <a:t>9/7/2022</a:t>
             </a:fld>
             <a:endParaRPr lang="en-US"/>
           </a:p>
@@ -1978,7 +2362,7 @@
           <a:p>
             <a:fld id="{EB2CBA77-04AE-448A-9720-4A70C0B75865}" type="datetimeFigureOut">
               <a:rPr lang="en-US" smtClean="0"/>
-              <a:t>9/6/2022</a:t>
+              <a:t>9/7/2022</a:t>
             </a:fld>
             <a:endParaRPr lang="en-US"/>
           </a:p>
@@ -2091,7 +2475,7 @@
           <a:p>
             <a:fld id="{EB2CBA77-04AE-448A-9720-4A70C0B75865}" type="datetimeFigureOut">
               <a:rPr lang="en-US" smtClean="0"/>
-              <a:t>9/6/2022</a:t>
+              <a:t>9/7/2022</a:t>
             </a:fld>
             <a:endParaRPr lang="en-US"/>
           </a:p>
@@ -2402,7 +2786,7 @@
           <a:p>
             <a:fld id="{EB2CBA77-04AE-448A-9720-4A70C0B75865}" type="datetimeFigureOut">
               <a:rPr lang="en-US" smtClean="0"/>
-              <a:t>9/6/2022</a:t>
+              <a:t>9/7/2022</a:t>
             </a:fld>
             <a:endParaRPr lang="en-US"/>
           </a:p>
@@ -2690,7 +3074,7 @@
           <a:p>
             <a:fld id="{EB2CBA77-04AE-448A-9720-4A70C0B75865}" type="datetimeFigureOut">
               <a:rPr lang="en-US" smtClean="0"/>
-              <a:t>9/6/2022</a:t>
+              <a:t>9/7/2022</a:t>
             </a:fld>
             <a:endParaRPr lang="en-US"/>
           </a:p>
@@ -2931,7 +3315,7 @@
           <a:p>
             <a:fld id="{EB2CBA77-04AE-448A-9720-4A70C0B75865}" type="datetimeFigureOut">
               <a:rPr lang="en-US" smtClean="0"/>
-              <a:t>9/6/2022</a:t>
+              <a:t>9/7/2022</a:t>
             </a:fld>
             <a:endParaRPr lang="en-US"/>
           </a:p>
@@ -3459,32 +3843,174 @@
           <a:bodyPr/>
           <a:lstStyle/>
           <a:p>
-            <a:endParaRPr lang="en-US"/>
-          </a:p>
-        </p:txBody>
-      </p:sp>
-      <p:sp>
-        <p:nvSpPr>
-          <p:cNvPr id="3" name="Content Placeholder 2">
-            <a:extLst>
-              <a:ext uri="{FF2B5EF4-FFF2-40B4-BE49-F238E27FC236}">
-                <a16:creationId xmlns:a16="http://schemas.microsoft.com/office/drawing/2014/main" id="{07161D15-74EC-6A0F-02B1-D8A0F095481A}"/>
-              </a:ext>
-            </a:extLst>
-          </p:cNvPr>
-          <p:cNvSpPr>
-            <a:spLocks noGrp="1"/>
-          </p:cNvSpPr>
-          <p:nvPr>
-            <p:ph idx="1"/>
-          </p:nvPr>
-        </p:nvSpPr>
-        <p:spPr/>
-        <p:txBody>
-          <a:bodyPr/>
-          <a:lstStyle/>
-          <a:p>
-            <a:endParaRPr lang="en-US"/>
+            <a:r>
+              <a:rPr lang="en-US" dirty="0"/>
+              <a:t>What are EC2 instances?</a:t>
+            </a:r>
+          </a:p>
+        </p:txBody>
+      </p:sp>
+      <p:sp>
+        <p:nvSpPr>
+          <p:cNvPr id="4" name="TextBox 3">
+            <a:extLst>
+              <a:ext uri="{FF2B5EF4-FFF2-40B4-BE49-F238E27FC236}">
+                <a16:creationId xmlns:a16="http://schemas.microsoft.com/office/drawing/2014/main" id="{C10A08DF-38D8-7C0E-07B9-BACECFC93187}"/>
+              </a:ext>
+            </a:extLst>
+          </p:cNvPr>
+          <p:cNvSpPr txBox="1"/>
+          <p:nvPr/>
+        </p:nvSpPr>
+        <p:spPr>
+          <a:xfrm>
+            <a:off x="685800" y="1690688"/>
+            <a:ext cx="8182303" cy="369332"/>
+          </a:xfrm>
+          <a:prstGeom prst="rect">
+            <a:avLst/>
+          </a:prstGeom>
+          <a:noFill/>
+        </p:spPr>
+        <p:txBody>
+          <a:bodyPr wrap="square" rtlCol="0">
+            <a:spAutoFit/>
+          </a:bodyPr>
+          <a:lstStyle/>
+          <a:p>
+            <a:pPr marL="285750" indent="-285750">
+              <a:buFont typeface="Arial" panose="020B0604020202020204" pitchFamily="34" charset="0"/>
+              <a:buChar char="•"/>
+            </a:pPr>
+            <a:r>
+              <a:rPr lang="en-US" dirty="0"/>
+              <a:t>Stands for Elastic Compute Cloud (EC2) for running applications</a:t>
+            </a:r>
+          </a:p>
+        </p:txBody>
+      </p:sp>
+      <p:sp>
+        <p:nvSpPr>
+          <p:cNvPr id="6" name="TextBox 5">
+            <a:extLst>
+              <a:ext uri="{FF2B5EF4-FFF2-40B4-BE49-F238E27FC236}">
+                <a16:creationId xmlns:a16="http://schemas.microsoft.com/office/drawing/2014/main" id="{EAEAFD53-846E-A7C6-0257-1AEFFFF522C8}"/>
+              </a:ext>
+            </a:extLst>
+          </p:cNvPr>
+          <p:cNvSpPr txBox="1"/>
+          <p:nvPr/>
+        </p:nvSpPr>
+        <p:spPr>
+          <a:xfrm>
+            <a:off x="685799" y="2209637"/>
+            <a:ext cx="8182303" cy="369332"/>
+          </a:xfrm>
+          <a:prstGeom prst="rect">
+            <a:avLst/>
+          </a:prstGeom>
+          <a:noFill/>
+        </p:spPr>
+        <p:txBody>
+          <a:bodyPr wrap="square" rtlCol="0">
+            <a:spAutoFit/>
+          </a:bodyPr>
+          <a:lstStyle/>
+          <a:p>
+            <a:pPr marL="285750" indent="-285750">
+              <a:buFont typeface="Arial" panose="020B0604020202020204" pitchFamily="34" charset="0"/>
+              <a:buChar char="•"/>
+            </a:pPr>
+            <a:r>
+              <a:rPr lang="en-US" dirty="0"/>
+              <a:t>Essentially renting a computer based out of a particular region</a:t>
+            </a:r>
+          </a:p>
+        </p:txBody>
+      </p:sp>
+      <p:sp>
+        <p:nvSpPr>
+          <p:cNvPr id="8" name="TextBox 7">
+            <a:extLst>
+              <a:ext uri="{FF2B5EF4-FFF2-40B4-BE49-F238E27FC236}">
+                <a16:creationId xmlns:a16="http://schemas.microsoft.com/office/drawing/2014/main" id="{3B165DD6-CA6C-7BD2-3FEE-74E7BC4692E5}"/>
+              </a:ext>
+            </a:extLst>
+          </p:cNvPr>
+          <p:cNvSpPr txBox="1"/>
+          <p:nvPr/>
+        </p:nvSpPr>
+        <p:spPr>
+          <a:xfrm>
+            <a:off x="685799" y="2728586"/>
+            <a:ext cx="8182303" cy="369332"/>
+          </a:xfrm>
+          <a:prstGeom prst="rect">
+            <a:avLst/>
+          </a:prstGeom>
+          <a:noFill/>
+        </p:spPr>
+        <p:txBody>
+          <a:bodyPr wrap="square" rtlCol="0">
+            <a:spAutoFit/>
+          </a:bodyPr>
+          <a:lstStyle/>
+          <a:p>
+            <a:pPr marL="285750" indent="-285750">
+              <a:buFont typeface="Arial" panose="020B0604020202020204" pitchFamily="34" charset="0"/>
+              <a:buChar char="•"/>
+            </a:pPr>
+            <a:r>
+              <a:rPr lang="en-US" dirty="0"/>
+              <a:t>Gives maximally flexible and cost-effective alternative to conventional servers</a:t>
+            </a:r>
+          </a:p>
+        </p:txBody>
+      </p:sp>
+      <p:sp>
+        <p:nvSpPr>
+          <p:cNvPr id="10" name="TextBox 9">
+            <a:extLst>
+              <a:ext uri="{FF2B5EF4-FFF2-40B4-BE49-F238E27FC236}">
+                <a16:creationId xmlns:a16="http://schemas.microsoft.com/office/drawing/2014/main" id="{1A602A3B-A76F-E9EA-0319-38A325DD240E}"/>
+              </a:ext>
+            </a:extLst>
+          </p:cNvPr>
+          <p:cNvSpPr txBox="1"/>
+          <p:nvPr/>
+        </p:nvSpPr>
+        <p:spPr>
+          <a:xfrm>
+            <a:off x="716016" y="3244334"/>
+            <a:ext cx="11064767" cy="646331"/>
+          </a:xfrm>
+          <a:prstGeom prst="rect">
+            <a:avLst/>
+          </a:prstGeom>
+          <a:noFill/>
+        </p:spPr>
+        <p:txBody>
+          <a:bodyPr wrap="square" rtlCol="0">
+            <a:spAutoFit/>
+          </a:bodyPr>
+          <a:lstStyle/>
+          <a:p>
+            <a:pPr marL="285750" indent="-285750">
+              <a:buFont typeface="Arial" panose="020B0604020202020204" pitchFamily="34" charset="0"/>
+              <a:buChar char="•"/>
+            </a:pPr>
+            <a:r>
+              <a:rPr lang="en-US" dirty="0"/>
+              <a:t>Once you create an instance, it can run </a:t>
+            </a:r>
+            <a:r>
+              <a:rPr lang="en-US" dirty="0" err="1"/>
+              <a:t>independtly</a:t>
+            </a:r>
+            <a:r>
+              <a:rPr lang="en-US" dirty="0"/>
+              <a:t> of your local machine and can be accessed anywhere (in theory)  </a:t>
+            </a:r>
           </a:p>
         </p:txBody>
       </p:sp>
@@ -3492,6 +4018,1026 @@
     <p:extLst>
       <p:ext uri="{BB962C8B-B14F-4D97-AF65-F5344CB8AC3E}">
         <p14:creationId xmlns:p14="http://schemas.microsoft.com/office/powerpoint/2010/main" val="3415205035"/>
+      </p:ext>
+    </p:extLst>
+  </p:cSld>
+  <p:clrMapOvr>
+    <a:masterClrMapping/>
+  </p:clrMapOvr>
+</p:sld>
+</file>
+
+<file path=ppt/slides/slide3.xml><?xml version="1.0" encoding="utf-8"?>
+<p:sld xmlns:a="http://schemas.openxmlformats.org/drawingml/2006/main" xmlns:r="http://schemas.openxmlformats.org/officeDocument/2006/relationships" xmlns:p="http://schemas.openxmlformats.org/presentationml/2006/main">
+  <p:cSld>
+    <p:spTree>
+      <p:nvGrpSpPr>
+        <p:cNvPr id="1" name=""/>
+        <p:cNvGrpSpPr/>
+        <p:nvPr/>
+      </p:nvGrpSpPr>
+      <p:grpSpPr>
+        <a:xfrm>
+          <a:off x="0" y="0"/>
+          <a:ext cx="0" cy="0"/>
+          <a:chOff x="0" y="0"/>
+          <a:chExt cx="0" cy="0"/>
+        </a:xfrm>
+      </p:grpSpPr>
+      <p:sp>
+        <p:nvSpPr>
+          <p:cNvPr id="2" name="Title 1">
+            <a:extLst>
+              <a:ext uri="{FF2B5EF4-FFF2-40B4-BE49-F238E27FC236}">
+                <a16:creationId xmlns:a16="http://schemas.microsoft.com/office/drawing/2014/main" id="{15AD9145-943F-A8EA-DBA3-A921A441C00F}"/>
+              </a:ext>
+            </a:extLst>
+          </p:cNvPr>
+          <p:cNvSpPr>
+            <a:spLocks noGrp="1"/>
+          </p:cNvSpPr>
+          <p:nvPr>
+            <p:ph type="title"/>
+          </p:nvPr>
+        </p:nvSpPr>
+        <p:spPr/>
+        <p:txBody>
+          <a:bodyPr/>
+          <a:lstStyle/>
+          <a:p>
+            <a:r>
+              <a:rPr lang="en-US" dirty="0"/>
+              <a:t>Instance Naming Convention</a:t>
+            </a:r>
+          </a:p>
+        </p:txBody>
+      </p:sp>
+      <p:sp>
+        <p:nvSpPr>
+          <p:cNvPr id="4" name="TextBox 3">
+            <a:extLst>
+              <a:ext uri="{FF2B5EF4-FFF2-40B4-BE49-F238E27FC236}">
+                <a16:creationId xmlns:a16="http://schemas.microsoft.com/office/drawing/2014/main" id="{C10A08DF-38D8-7C0E-07B9-BACECFC93187}"/>
+              </a:ext>
+            </a:extLst>
+          </p:cNvPr>
+          <p:cNvSpPr txBox="1"/>
+          <p:nvPr/>
+        </p:nvSpPr>
+        <p:spPr>
+          <a:xfrm>
+            <a:off x="1146942" y="2258246"/>
+            <a:ext cx="8182303" cy="830997"/>
+          </a:xfrm>
+          <a:prstGeom prst="rect">
+            <a:avLst/>
+          </a:prstGeom>
+          <a:noFill/>
+        </p:spPr>
+        <p:txBody>
+          <a:bodyPr wrap="square" rtlCol="0">
+            <a:spAutoFit/>
+          </a:bodyPr>
+          <a:lstStyle/>
+          <a:p>
+            <a:pPr algn="ctr"/>
+            <a:r>
+              <a:rPr lang="en-US" sz="4800" dirty="0"/>
+              <a:t>C4.large</a:t>
+            </a:r>
+          </a:p>
+        </p:txBody>
+      </p:sp>
+      <p:sp>
+        <p:nvSpPr>
+          <p:cNvPr id="5" name="TextBox 4">
+            <a:extLst>
+              <a:ext uri="{FF2B5EF4-FFF2-40B4-BE49-F238E27FC236}">
+                <a16:creationId xmlns:a16="http://schemas.microsoft.com/office/drawing/2014/main" id="{A0056102-8B3C-11BA-7342-EDB1D51382AC}"/>
+              </a:ext>
+            </a:extLst>
+          </p:cNvPr>
+          <p:cNvSpPr txBox="1"/>
+          <p:nvPr/>
+        </p:nvSpPr>
+        <p:spPr>
+          <a:xfrm rot="16200000">
+            <a:off x="4007069" y="2715813"/>
+            <a:ext cx="730469" cy="646331"/>
+          </a:xfrm>
+          <a:prstGeom prst="rect">
+            <a:avLst/>
+          </a:prstGeom>
+          <a:noFill/>
+        </p:spPr>
+        <p:txBody>
+          <a:bodyPr wrap="square" rtlCol="0">
+            <a:spAutoFit/>
+          </a:bodyPr>
+          <a:lstStyle/>
+          <a:p>
+            <a:pPr algn="ctr"/>
+            <a:r>
+              <a:rPr lang="en-US" sz="3600" dirty="0"/>
+              <a:t>{</a:t>
+            </a:r>
+          </a:p>
+        </p:txBody>
+      </p:sp>
+      <p:sp>
+        <p:nvSpPr>
+          <p:cNvPr id="9" name="TextBox 8">
+            <a:extLst>
+              <a:ext uri="{FF2B5EF4-FFF2-40B4-BE49-F238E27FC236}">
+                <a16:creationId xmlns:a16="http://schemas.microsoft.com/office/drawing/2014/main" id="{55866A93-7099-EE24-BE94-776A048099CB}"/>
+              </a:ext>
+            </a:extLst>
+          </p:cNvPr>
+          <p:cNvSpPr txBox="1"/>
+          <p:nvPr/>
+        </p:nvSpPr>
+        <p:spPr>
+          <a:xfrm rot="5400000">
+            <a:off x="4415659" y="2021792"/>
+            <a:ext cx="730469" cy="646331"/>
+          </a:xfrm>
+          <a:prstGeom prst="rect">
+            <a:avLst/>
+          </a:prstGeom>
+          <a:noFill/>
+        </p:spPr>
+        <p:txBody>
+          <a:bodyPr wrap="square" rtlCol="0">
+            <a:spAutoFit/>
+          </a:bodyPr>
+          <a:lstStyle/>
+          <a:p>
+            <a:pPr algn="ctr"/>
+            <a:r>
+              <a:rPr lang="en-US" sz="3600" dirty="0"/>
+              <a:t>{</a:t>
+            </a:r>
+          </a:p>
+        </p:txBody>
+      </p:sp>
+      <p:sp>
+        <p:nvSpPr>
+          <p:cNvPr id="12" name="TextBox 11">
+            <a:extLst>
+              <a:ext uri="{FF2B5EF4-FFF2-40B4-BE49-F238E27FC236}">
+                <a16:creationId xmlns:a16="http://schemas.microsoft.com/office/drawing/2014/main" id="{96C5818E-3572-58D0-DF82-11743F5B030C}"/>
+              </a:ext>
+            </a:extLst>
+          </p:cNvPr>
+          <p:cNvSpPr txBox="1"/>
+          <p:nvPr/>
+        </p:nvSpPr>
+        <p:spPr>
+          <a:xfrm rot="16200000">
+            <a:off x="5293273" y="2590876"/>
+            <a:ext cx="730469" cy="1200329"/>
+          </a:xfrm>
+          <a:prstGeom prst="rect">
+            <a:avLst/>
+          </a:prstGeom>
+          <a:noFill/>
+        </p:spPr>
+        <p:txBody>
+          <a:bodyPr wrap="square" rtlCol="0">
+            <a:spAutoFit/>
+          </a:bodyPr>
+          <a:lstStyle/>
+          <a:p>
+            <a:pPr algn="ctr"/>
+            <a:r>
+              <a:rPr lang="en-US" sz="7200" dirty="0"/>
+              <a:t>{</a:t>
+            </a:r>
+          </a:p>
+        </p:txBody>
+      </p:sp>
+      <p:sp>
+        <p:nvSpPr>
+          <p:cNvPr id="13" name="TextBox 12">
+            <a:extLst>
+              <a:ext uri="{FF2B5EF4-FFF2-40B4-BE49-F238E27FC236}">
+                <a16:creationId xmlns:a16="http://schemas.microsoft.com/office/drawing/2014/main" id="{2EF8BBAC-6BEF-75EE-87DB-CB970CE723DD}"/>
+              </a:ext>
+            </a:extLst>
+          </p:cNvPr>
+          <p:cNvSpPr txBox="1"/>
+          <p:nvPr/>
+        </p:nvSpPr>
+        <p:spPr>
+          <a:xfrm>
+            <a:off x="3536730" y="3076045"/>
+            <a:ext cx="1671145" cy="646331"/>
+          </a:xfrm>
+          <a:prstGeom prst="rect">
+            <a:avLst/>
+          </a:prstGeom>
+          <a:noFill/>
+        </p:spPr>
+        <p:txBody>
+          <a:bodyPr wrap="square" rtlCol="0">
+            <a:spAutoFit/>
+          </a:bodyPr>
+          <a:lstStyle/>
+          <a:p>
+            <a:pPr algn="ctr"/>
+            <a:r>
+              <a:rPr lang="en-US" dirty="0"/>
+              <a:t>Instance</a:t>
+            </a:r>
+          </a:p>
+          <a:p>
+            <a:pPr algn="ctr"/>
+            <a:r>
+              <a:rPr lang="en-US" dirty="0"/>
+              <a:t>Family</a:t>
+            </a:r>
+          </a:p>
+        </p:txBody>
+      </p:sp>
+      <p:sp>
+        <p:nvSpPr>
+          <p:cNvPr id="15" name="TextBox 14">
+            <a:extLst>
+              <a:ext uri="{FF2B5EF4-FFF2-40B4-BE49-F238E27FC236}">
+                <a16:creationId xmlns:a16="http://schemas.microsoft.com/office/drawing/2014/main" id="{2F712BB4-A963-43F3-4CA2-05E79943CD5F}"/>
+              </a:ext>
+            </a:extLst>
+          </p:cNvPr>
+          <p:cNvSpPr txBox="1"/>
+          <p:nvPr/>
+        </p:nvSpPr>
+        <p:spPr>
+          <a:xfrm>
+            <a:off x="3898023" y="1670576"/>
+            <a:ext cx="1671145" cy="646331"/>
+          </a:xfrm>
+          <a:prstGeom prst="rect">
+            <a:avLst/>
+          </a:prstGeom>
+          <a:noFill/>
+        </p:spPr>
+        <p:txBody>
+          <a:bodyPr wrap="square" rtlCol="0">
+            <a:spAutoFit/>
+          </a:bodyPr>
+          <a:lstStyle/>
+          <a:p>
+            <a:pPr algn="ctr"/>
+            <a:r>
+              <a:rPr lang="en-US" dirty="0"/>
+              <a:t>Instance</a:t>
+            </a:r>
+          </a:p>
+          <a:p>
+            <a:pPr algn="ctr"/>
+            <a:r>
+              <a:rPr lang="en-US" dirty="0"/>
+              <a:t>Generation</a:t>
+            </a:r>
+          </a:p>
+        </p:txBody>
+      </p:sp>
+      <p:sp>
+        <p:nvSpPr>
+          <p:cNvPr id="17" name="TextBox 16">
+            <a:extLst>
+              <a:ext uri="{FF2B5EF4-FFF2-40B4-BE49-F238E27FC236}">
+                <a16:creationId xmlns:a16="http://schemas.microsoft.com/office/drawing/2014/main" id="{1139BEED-50BA-1615-8644-6B38A2C70E98}"/>
+              </a:ext>
+            </a:extLst>
+          </p:cNvPr>
+          <p:cNvSpPr txBox="1"/>
+          <p:nvPr/>
+        </p:nvSpPr>
+        <p:spPr>
+          <a:xfrm>
+            <a:off x="4884443" y="3277750"/>
+            <a:ext cx="1671145" cy="646331"/>
+          </a:xfrm>
+          <a:prstGeom prst="rect">
+            <a:avLst/>
+          </a:prstGeom>
+          <a:noFill/>
+        </p:spPr>
+        <p:txBody>
+          <a:bodyPr wrap="square" rtlCol="0">
+            <a:spAutoFit/>
+          </a:bodyPr>
+          <a:lstStyle/>
+          <a:p>
+            <a:pPr algn="ctr"/>
+            <a:r>
+              <a:rPr lang="en-US" dirty="0"/>
+              <a:t>Instance</a:t>
+            </a:r>
+          </a:p>
+          <a:p>
+            <a:pPr algn="ctr"/>
+            <a:r>
+              <a:rPr lang="en-US" dirty="0"/>
+              <a:t>Size</a:t>
+            </a:r>
+          </a:p>
+        </p:txBody>
+      </p:sp>
+    </p:spTree>
+    <p:extLst>
+      <p:ext uri="{BB962C8B-B14F-4D97-AF65-F5344CB8AC3E}">
+        <p14:creationId xmlns:p14="http://schemas.microsoft.com/office/powerpoint/2010/main" val="324031245"/>
+      </p:ext>
+    </p:extLst>
+  </p:cSld>
+  <p:clrMapOvr>
+    <a:masterClrMapping/>
+  </p:clrMapOvr>
+</p:sld>
+</file>
+
+<file path=ppt/slides/slide4.xml><?xml version="1.0" encoding="utf-8"?>
+<p:sld xmlns:a="http://schemas.openxmlformats.org/drawingml/2006/main" xmlns:r="http://schemas.openxmlformats.org/officeDocument/2006/relationships" xmlns:p="http://schemas.openxmlformats.org/presentationml/2006/main">
+  <p:cSld>
+    <p:spTree>
+      <p:nvGrpSpPr>
+        <p:cNvPr id="1" name=""/>
+        <p:cNvGrpSpPr/>
+        <p:nvPr/>
+      </p:nvGrpSpPr>
+      <p:grpSpPr>
+        <a:xfrm>
+          <a:off x="0" y="0"/>
+          <a:ext cx="0" cy="0"/>
+          <a:chOff x="0" y="0"/>
+          <a:chExt cx="0" cy="0"/>
+        </a:xfrm>
+      </p:grpSpPr>
+      <p:sp>
+        <p:nvSpPr>
+          <p:cNvPr id="2" name="Title 1">
+            <a:extLst>
+              <a:ext uri="{FF2B5EF4-FFF2-40B4-BE49-F238E27FC236}">
+                <a16:creationId xmlns:a16="http://schemas.microsoft.com/office/drawing/2014/main" id="{15AD9145-943F-A8EA-DBA3-A921A441C00F}"/>
+              </a:ext>
+            </a:extLst>
+          </p:cNvPr>
+          <p:cNvSpPr>
+            <a:spLocks noGrp="1"/>
+          </p:cNvSpPr>
+          <p:nvPr>
+            <p:ph type="title"/>
+          </p:nvPr>
+        </p:nvSpPr>
+        <p:spPr/>
+        <p:txBody>
+          <a:bodyPr/>
+          <a:lstStyle/>
+          <a:p>
+            <a:r>
+              <a:rPr lang="en-US" dirty="0"/>
+              <a:t>Considerations when creating an instance</a:t>
+            </a:r>
+          </a:p>
+        </p:txBody>
+      </p:sp>
+      <p:sp>
+        <p:nvSpPr>
+          <p:cNvPr id="6" name="TextBox 5">
+            <a:extLst>
+              <a:ext uri="{FF2B5EF4-FFF2-40B4-BE49-F238E27FC236}">
+                <a16:creationId xmlns:a16="http://schemas.microsoft.com/office/drawing/2014/main" id="{77429D86-0C27-5379-5C2C-9EDC85DB552A}"/>
+              </a:ext>
+            </a:extLst>
+          </p:cNvPr>
+          <p:cNvSpPr txBox="1"/>
+          <p:nvPr/>
+        </p:nvSpPr>
+        <p:spPr>
+          <a:xfrm>
+            <a:off x="685800" y="2195192"/>
+            <a:ext cx="8182303" cy="369332"/>
+          </a:xfrm>
+          <a:prstGeom prst="rect">
+            <a:avLst/>
+          </a:prstGeom>
+          <a:noFill/>
+        </p:spPr>
+        <p:txBody>
+          <a:bodyPr wrap="square" rtlCol="0">
+            <a:spAutoFit/>
+          </a:bodyPr>
+          <a:lstStyle/>
+          <a:p>
+            <a:pPr marL="285750" indent="-285750">
+              <a:buFont typeface="Arial" panose="020B0604020202020204" pitchFamily="34" charset="0"/>
+              <a:buChar char="•"/>
+            </a:pPr>
+            <a:r>
+              <a:rPr lang="en-US" dirty="0"/>
+              <a:t>Region (will always be): </a:t>
+            </a:r>
+            <a:r>
+              <a:rPr lang="en-US" dirty="0">
+                <a:solidFill>
+                  <a:srgbClr val="FF0000"/>
+                </a:solidFill>
+              </a:rPr>
+              <a:t>US-east-1 (N. Virginia)</a:t>
+            </a:r>
+          </a:p>
+        </p:txBody>
+      </p:sp>
+      <p:sp>
+        <p:nvSpPr>
+          <p:cNvPr id="8" name="TextBox 7">
+            <a:extLst>
+              <a:ext uri="{FF2B5EF4-FFF2-40B4-BE49-F238E27FC236}">
+                <a16:creationId xmlns:a16="http://schemas.microsoft.com/office/drawing/2014/main" id="{0D61A5D8-55C3-DD5E-8DBF-278851301695}"/>
+              </a:ext>
+            </a:extLst>
+          </p:cNvPr>
+          <p:cNvSpPr txBox="1"/>
+          <p:nvPr/>
+        </p:nvSpPr>
+        <p:spPr>
+          <a:xfrm>
+            <a:off x="685797" y="3792609"/>
+            <a:ext cx="8182303" cy="369332"/>
+          </a:xfrm>
+          <a:prstGeom prst="rect">
+            <a:avLst/>
+          </a:prstGeom>
+          <a:noFill/>
+        </p:spPr>
+        <p:txBody>
+          <a:bodyPr wrap="square" rtlCol="0">
+            <a:spAutoFit/>
+          </a:bodyPr>
+          <a:lstStyle/>
+          <a:p>
+            <a:pPr marL="285750" indent="-285750">
+              <a:buFont typeface="Arial" panose="020B0604020202020204" pitchFamily="34" charset="0"/>
+              <a:buChar char="•"/>
+            </a:pPr>
+            <a:r>
+              <a:rPr lang="en-US" dirty="0"/>
+              <a:t>Memory: </a:t>
+            </a:r>
+            <a:r>
+              <a:rPr lang="en-US" dirty="0">
+                <a:solidFill>
+                  <a:srgbClr val="FF0000"/>
+                </a:solidFill>
+              </a:rPr>
+              <a:t>16+ </a:t>
+            </a:r>
+            <a:r>
+              <a:rPr lang="en-US" dirty="0"/>
+              <a:t>for basic tasks </a:t>
+            </a:r>
+            <a:r>
+              <a:rPr lang="en-US" dirty="0">
+                <a:solidFill>
+                  <a:srgbClr val="FF0000"/>
+                </a:solidFill>
+              </a:rPr>
+              <a:t>50+ </a:t>
+            </a:r>
+            <a:r>
+              <a:rPr lang="en-US" dirty="0"/>
+              <a:t>for mapping</a:t>
+            </a:r>
+          </a:p>
+        </p:txBody>
+      </p:sp>
+      <p:sp>
+        <p:nvSpPr>
+          <p:cNvPr id="11" name="TextBox 10">
+            <a:extLst>
+              <a:ext uri="{FF2B5EF4-FFF2-40B4-BE49-F238E27FC236}">
+                <a16:creationId xmlns:a16="http://schemas.microsoft.com/office/drawing/2014/main" id="{739A671D-1E9E-9186-3CE4-A4446F97BBE9}"/>
+              </a:ext>
+            </a:extLst>
+          </p:cNvPr>
+          <p:cNvSpPr txBox="1"/>
+          <p:nvPr/>
+        </p:nvSpPr>
+        <p:spPr>
+          <a:xfrm>
+            <a:off x="1513489" y="3059668"/>
+            <a:ext cx="8182303" cy="369332"/>
+          </a:xfrm>
+          <a:prstGeom prst="rect">
+            <a:avLst/>
+          </a:prstGeom>
+          <a:noFill/>
+        </p:spPr>
+        <p:txBody>
+          <a:bodyPr wrap="square" rtlCol="0">
+            <a:spAutoFit/>
+          </a:bodyPr>
+          <a:lstStyle/>
+          <a:p>
+            <a:pPr marL="285750" indent="-285750">
+              <a:buFont typeface="Arial" panose="020B0604020202020204" pitchFamily="34" charset="0"/>
+              <a:buChar char="•"/>
+            </a:pPr>
+            <a:r>
+              <a:rPr lang="en-US" dirty="0"/>
+              <a:t>Recommend </a:t>
+            </a:r>
+            <a:r>
+              <a:rPr lang="en-US" dirty="0" err="1"/>
+              <a:t>linux</a:t>
+            </a:r>
+            <a:r>
+              <a:rPr lang="en-US" dirty="0"/>
+              <a:t>-based: Ubuntu, </a:t>
+            </a:r>
+            <a:r>
+              <a:rPr lang="en-US" dirty="0">
+                <a:solidFill>
+                  <a:srgbClr val="FF0000"/>
+                </a:solidFill>
+              </a:rPr>
+              <a:t>CentOS</a:t>
+            </a:r>
+          </a:p>
+        </p:txBody>
+      </p:sp>
+      <p:sp>
+        <p:nvSpPr>
+          <p:cNvPr id="16" name="TextBox 15">
+            <a:extLst>
+              <a:ext uri="{FF2B5EF4-FFF2-40B4-BE49-F238E27FC236}">
+                <a16:creationId xmlns:a16="http://schemas.microsoft.com/office/drawing/2014/main" id="{A0632099-B103-2A5B-CC6D-558C344B1667}"/>
+              </a:ext>
+            </a:extLst>
+          </p:cNvPr>
+          <p:cNvSpPr txBox="1"/>
+          <p:nvPr/>
+        </p:nvSpPr>
+        <p:spPr>
+          <a:xfrm>
+            <a:off x="989284" y="1762954"/>
+            <a:ext cx="8182303" cy="369332"/>
+          </a:xfrm>
+          <a:prstGeom prst="rect">
+            <a:avLst/>
+          </a:prstGeom>
+          <a:noFill/>
+        </p:spPr>
+        <p:txBody>
+          <a:bodyPr wrap="square" rtlCol="0">
+            <a:spAutoFit/>
+          </a:bodyPr>
+          <a:lstStyle/>
+          <a:p>
+            <a:r>
+              <a:rPr lang="en-US" dirty="0">
+                <a:solidFill>
+                  <a:srgbClr val="FF0000"/>
+                </a:solidFill>
+              </a:rPr>
+              <a:t>Red text </a:t>
+            </a:r>
+            <a:r>
+              <a:rPr lang="en-US" dirty="0"/>
+              <a:t>= required/recommended</a:t>
+            </a:r>
+            <a:endParaRPr lang="en-US" dirty="0">
+              <a:solidFill>
+                <a:srgbClr val="FF0000"/>
+              </a:solidFill>
+            </a:endParaRPr>
+          </a:p>
+        </p:txBody>
+      </p:sp>
+      <p:sp>
+        <p:nvSpPr>
+          <p:cNvPr id="21" name="TextBox 20">
+            <a:extLst>
+              <a:ext uri="{FF2B5EF4-FFF2-40B4-BE49-F238E27FC236}">
+                <a16:creationId xmlns:a16="http://schemas.microsoft.com/office/drawing/2014/main" id="{4201C424-7E2C-60A6-F932-4ED899486CF2}"/>
+              </a:ext>
+            </a:extLst>
+          </p:cNvPr>
+          <p:cNvSpPr txBox="1"/>
+          <p:nvPr/>
+        </p:nvSpPr>
+        <p:spPr>
+          <a:xfrm>
+            <a:off x="685798" y="3423277"/>
+            <a:ext cx="8182303" cy="369332"/>
+          </a:xfrm>
+          <a:prstGeom prst="rect">
+            <a:avLst/>
+          </a:prstGeom>
+          <a:noFill/>
+        </p:spPr>
+        <p:txBody>
+          <a:bodyPr wrap="square" rtlCol="0">
+            <a:spAutoFit/>
+          </a:bodyPr>
+          <a:lstStyle/>
+          <a:p>
+            <a:pPr marL="285750" indent="-285750">
+              <a:buFont typeface="Arial" panose="020B0604020202020204" pitchFamily="34" charset="0"/>
+              <a:buChar char="•"/>
+            </a:pPr>
+            <a:r>
+              <a:rPr lang="en-US" dirty="0"/>
+              <a:t>Processor (vCPU): </a:t>
+            </a:r>
+            <a:r>
+              <a:rPr lang="en-US" dirty="0">
+                <a:solidFill>
+                  <a:srgbClr val="FF0000"/>
+                </a:solidFill>
+              </a:rPr>
+              <a:t>4+</a:t>
+            </a:r>
+          </a:p>
+        </p:txBody>
+      </p:sp>
+      <p:sp>
+        <p:nvSpPr>
+          <p:cNvPr id="23" name="TextBox 22">
+            <a:extLst>
+              <a:ext uri="{FF2B5EF4-FFF2-40B4-BE49-F238E27FC236}">
+                <a16:creationId xmlns:a16="http://schemas.microsoft.com/office/drawing/2014/main" id="{324FC1DF-B7FA-0BE1-461E-C508EB0882BB}"/>
+              </a:ext>
+            </a:extLst>
+          </p:cNvPr>
+          <p:cNvSpPr txBox="1"/>
+          <p:nvPr/>
+        </p:nvSpPr>
+        <p:spPr>
+          <a:xfrm>
+            <a:off x="680542" y="2699696"/>
+            <a:ext cx="8182303" cy="369332"/>
+          </a:xfrm>
+          <a:prstGeom prst="rect">
+            <a:avLst/>
+          </a:prstGeom>
+          <a:noFill/>
+        </p:spPr>
+        <p:txBody>
+          <a:bodyPr wrap="square" rtlCol="0">
+            <a:spAutoFit/>
+          </a:bodyPr>
+          <a:lstStyle/>
+          <a:p>
+            <a:pPr marL="285750" indent="-285750">
+              <a:buFont typeface="Arial" panose="020B0604020202020204" pitchFamily="34" charset="0"/>
+              <a:buChar char="•"/>
+            </a:pPr>
+            <a:r>
+              <a:rPr lang="en-US" dirty="0"/>
+              <a:t>Operating system (OS Images): Depends on your specific needs</a:t>
+            </a:r>
+            <a:endParaRPr lang="en-US" dirty="0">
+              <a:solidFill>
+                <a:srgbClr val="FF0000"/>
+              </a:solidFill>
+            </a:endParaRPr>
+          </a:p>
+        </p:txBody>
+      </p:sp>
+      <p:sp>
+        <p:nvSpPr>
+          <p:cNvPr id="25" name="TextBox 24">
+            <a:extLst>
+              <a:ext uri="{FF2B5EF4-FFF2-40B4-BE49-F238E27FC236}">
+                <a16:creationId xmlns:a16="http://schemas.microsoft.com/office/drawing/2014/main" id="{14622150-8404-2043-EEF6-327C3E12807D}"/>
+              </a:ext>
+            </a:extLst>
+          </p:cNvPr>
+          <p:cNvSpPr txBox="1"/>
+          <p:nvPr/>
+        </p:nvSpPr>
+        <p:spPr>
+          <a:xfrm>
+            <a:off x="680542" y="4171716"/>
+            <a:ext cx="8182303" cy="369332"/>
+          </a:xfrm>
+          <a:prstGeom prst="rect">
+            <a:avLst/>
+          </a:prstGeom>
+          <a:noFill/>
+        </p:spPr>
+        <p:txBody>
+          <a:bodyPr wrap="square" rtlCol="0">
+            <a:spAutoFit/>
+          </a:bodyPr>
+          <a:lstStyle/>
+          <a:p>
+            <a:pPr marL="285750" indent="-285750">
+              <a:buFont typeface="Arial" panose="020B0604020202020204" pitchFamily="34" charset="0"/>
+              <a:buChar char="•"/>
+            </a:pPr>
+            <a:r>
+              <a:rPr lang="en-US" dirty="0"/>
+              <a:t>Hard drive: very dependent on project needs </a:t>
+            </a:r>
+            <a:endParaRPr lang="en-US" dirty="0">
+              <a:solidFill>
+                <a:srgbClr val="FF0000"/>
+              </a:solidFill>
+            </a:endParaRPr>
+          </a:p>
+        </p:txBody>
+      </p:sp>
+      <p:sp>
+        <p:nvSpPr>
+          <p:cNvPr id="27" name="TextBox 26">
+            <a:extLst>
+              <a:ext uri="{FF2B5EF4-FFF2-40B4-BE49-F238E27FC236}">
+                <a16:creationId xmlns:a16="http://schemas.microsoft.com/office/drawing/2014/main" id="{B6F38ABD-0B17-422E-65A3-42B7F005B3A5}"/>
+              </a:ext>
+            </a:extLst>
+          </p:cNvPr>
+          <p:cNvSpPr txBox="1"/>
+          <p:nvPr/>
+        </p:nvSpPr>
+        <p:spPr>
+          <a:xfrm>
+            <a:off x="1513489" y="4467483"/>
+            <a:ext cx="8182303" cy="369332"/>
+          </a:xfrm>
+          <a:prstGeom prst="rect">
+            <a:avLst/>
+          </a:prstGeom>
+          <a:noFill/>
+        </p:spPr>
+        <p:txBody>
+          <a:bodyPr wrap="square" rtlCol="0">
+            <a:spAutoFit/>
+          </a:bodyPr>
+          <a:lstStyle/>
+          <a:p>
+            <a:pPr marL="285750" indent="-285750">
+              <a:buFont typeface="Arial" panose="020B0604020202020204" pitchFamily="34" charset="0"/>
+              <a:buChar char="•"/>
+            </a:pPr>
+            <a:r>
+              <a:rPr lang="en-US" dirty="0"/>
+              <a:t>Hard drive can be expanded as needed, but this is more of an advanced skill</a:t>
+            </a:r>
+            <a:endParaRPr lang="en-US" dirty="0">
+              <a:solidFill>
+                <a:srgbClr val="FF0000"/>
+              </a:solidFill>
+            </a:endParaRPr>
+          </a:p>
+        </p:txBody>
+      </p:sp>
+    </p:spTree>
+    <p:extLst>
+      <p:ext uri="{BB962C8B-B14F-4D97-AF65-F5344CB8AC3E}">
+        <p14:creationId xmlns:p14="http://schemas.microsoft.com/office/powerpoint/2010/main" val="2831387864"/>
+      </p:ext>
+    </p:extLst>
+  </p:cSld>
+  <p:clrMapOvr>
+    <a:masterClrMapping/>
+  </p:clrMapOvr>
+</p:sld>
+</file>
+
+<file path=ppt/slides/slide5.xml><?xml version="1.0" encoding="utf-8"?>
+<p:sld xmlns:a="http://schemas.openxmlformats.org/drawingml/2006/main" xmlns:r="http://schemas.openxmlformats.org/officeDocument/2006/relationships" xmlns:p="http://schemas.openxmlformats.org/presentationml/2006/main">
+  <p:cSld>
+    <p:spTree>
+      <p:nvGrpSpPr>
+        <p:cNvPr id="1" name=""/>
+        <p:cNvGrpSpPr/>
+        <p:nvPr/>
+      </p:nvGrpSpPr>
+      <p:grpSpPr>
+        <a:xfrm>
+          <a:off x="0" y="0"/>
+          <a:ext cx="0" cy="0"/>
+          <a:chOff x="0" y="0"/>
+          <a:chExt cx="0" cy="0"/>
+        </a:xfrm>
+      </p:grpSpPr>
+      <p:sp>
+        <p:nvSpPr>
+          <p:cNvPr id="2" name="Title 1">
+            <a:extLst>
+              <a:ext uri="{FF2B5EF4-FFF2-40B4-BE49-F238E27FC236}">
+                <a16:creationId xmlns:a16="http://schemas.microsoft.com/office/drawing/2014/main" id="{15AD9145-943F-A8EA-DBA3-A921A441C00F}"/>
+              </a:ext>
+            </a:extLst>
+          </p:cNvPr>
+          <p:cNvSpPr>
+            <a:spLocks noGrp="1"/>
+          </p:cNvSpPr>
+          <p:nvPr>
+            <p:ph type="title"/>
+          </p:nvPr>
+        </p:nvSpPr>
+        <p:spPr/>
+        <p:txBody>
+          <a:bodyPr/>
+          <a:lstStyle/>
+          <a:p>
+            <a:r>
+              <a:rPr lang="en-US" dirty="0"/>
+              <a:t>Best practices for cost management</a:t>
+            </a:r>
+          </a:p>
+        </p:txBody>
+      </p:sp>
+      <p:sp>
+        <p:nvSpPr>
+          <p:cNvPr id="6" name="TextBox 5">
+            <a:extLst>
+              <a:ext uri="{FF2B5EF4-FFF2-40B4-BE49-F238E27FC236}">
+                <a16:creationId xmlns:a16="http://schemas.microsoft.com/office/drawing/2014/main" id="{77429D86-0C27-5379-5C2C-9EDC85DB552A}"/>
+              </a:ext>
+            </a:extLst>
+          </p:cNvPr>
+          <p:cNvSpPr txBox="1"/>
+          <p:nvPr/>
+        </p:nvSpPr>
+        <p:spPr>
+          <a:xfrm>
+            <a:off x="685800" y="1675605"/>
+            <a:ext cx="10424948" cy="369332"/>
+          </a:xfrm>
+          <a:prstGeom prst="rect">
+            <a:avLst/>
+          </a:prstGeom>
+          <a:noFill/>
+        </p:spPr>
+        <p:txBody>
+          <a:bodyPr wrap="square" rtlCol="0">
+            <a:spAutoFit/>
+          </a:bodyPr>
+          <a:lstStyle/>
+          <a:p>
+            <a:pPr marL="285750" indent="-285750">
+              <a:buFont typeface="Arial" panose="020B0604020202020204" pitchFamily="34" charset="0"/>
+              <a:buChar char="•"/>
+            </a:pPr>
+            <a:r>
+              <a:rPr lang="en-US" dirty="0"/>
+              <a:t>Transfer data to a local machine or BNL server and terminate instance when computations are finished</a:t>
+            </a:r>
+            <a:endParaRPr lang="en-US" dirty="0">
+              <a:solidFill>
+                <a:srgbClr val="FF0000"/>
+              </a:solidFill>
+            </a:endParaRPr>
+          </a:p>
+        </p:txBody>
+      </p:sp>
+      <p:sp>
+        <p:nvSpPr>
+          <p:cNvPr id="21" name="TextBox 20">
+            <a:extLst>
+              <a:ext uri="{FF2B5EF4-FFF2-40B4-BE49-F238E27FC236}">
+                <a16:creationId xmlns:a16="http://schemas.microsoft.com/office/drawing/2014/main" id="{4201C424-7E2C-60A6-F932-4ED899486CF2}"/>
+              </a:ext>
+            </a:extLst>
+          </p:cNvPr>
+          <p:cNvSpPr txBox="1"/>
+          <p:nvPr/>
+        </p:nvSpPr>
+        <p:spPr>
+          <a:xfrm>
+            <a:off x="680541" y="3818572"/>
+            <a:ext cx="8182303" cy="369332"/>
+          </a:xfrm>
+          <a:prstGeom prst="rect">
+            <a:avLst/>
+          </a:prstGeom>
+          <a:noFill/>
+        </p:spPr>
+        <p:txBody>
+          <a:bodyPr wrap="square" rtlCol="0">
+            <a:spAutoFit/>
+          </a:bodyPr>
+          <a:lstStyle/>
+          <a:p>
+            <a:pPr marL="285750" indent="-285750">
+              <a:buFont typeface="Arial" panose="020B0604020202020204" pitchFamily="34" charset="0"/>
+              <a:buChar char="•"/>
+            </a:pPr>
+            <a:r>
+              <a:rPr lang="en-US" dirty="0"/>
+              <a:t>Minimize the resources of each instance (i.e., vCPUs, memory, hard drive)</a:t>
+            </a:r>
+            <a:endParaRPr lang="en-US" dirty="0">
+              <a:solidFill>
+                <a:srgbClr val="FF0000"/>
+              </a:solidFill>
+            </a:endParaRPr>
+          </a:p>
+        </p:txBody>
+      </p:sp>
+      <p:sp>
+        <p:nvSpPr>
+          <p:cNvPr id="23" name="TextBox 22">
+            <a:extLst>
+              <a:ext uri="{FF2B5EF4-FFF2-40B4-BE49-F238E27FC236}">
+                <a16:creationId xmlns:a16="http://schemas.microsoft.com/office/drawing/2014/main" id="{324FC1DF-B7FA-0BE1-461E-C508EB0882BB}"/>
+              </a:ext>
+            </a:extLst>
+          </p:cNvPr>
+          <p:cNvSpPr txBox="1"/>
+          <p:nvPr/>
+        </p:nvSpPr>
+        <p:spPr>
+          <a:xfrm>
+            <a:off x="680542" y="2364775"/>
+            <a:ext cx="8182303" cy="369332"/>
+          </a:xfrm>
+          <a:prstGeom prst="rect">
+            <a:avLst/>
+          </a:prstGeom>
+          <a:noFill/>
+        </p:spPr>
+        <p:txBody>
+          <a:bodyPr wrap="square" rtlCol="0">
+            <a:spAutoFit/>
+          </a:bodyPr>
+          <a:lstStyle/>
+          <a:p>
+            <a:pPr marL="285750" indent="-285750">
+              <a:buFont typeface="Arial" panose="020B0604020202020204" pitchFamily="34" charset="0"/>
+              <a:buChar char="•"/>
+            </a:pPr>
+            <a:r>
+              <a:rPr lang="en-US" dirty="0"/>
+              <a:t>Stop instances when not in use, but will be used later</a:t>
+            </a:r>
+            <a:endParaRPr lang="en-US" dirty="0">
+              <a:solidFill>
+                <a:srgbClr val="FF0000"/>
+              </a:solidFill>
+            </a:endParaRPr>
+          </a:p>
+        </p:txBody>
+      </p:sp>
+      <p:sp>
+        <p:nvSpPr>
+          <p:cNvPr id="4" name="TextBox 3">
+            <a:extLst>
+              <a:ext uri="{FF2B5EF4-FFF2-40B4-BE49-F238E27FC236}">
+                <a16:creationId xmlns:a16="http://schemas.microsoft.com/office/drawing/2014/main" id="{6A2B2B4C-C64A-CDDB-8300-5BC63167AED4}"/>
+              </a:ext>
+            </a:extLst>
+          </p:cNvPr>
+          <p:cNvSpPr txBox="1"/>
+          <p:nvPr/>
+        </p:nvSpPr>
+        <p:spPr>
+          <a:xfrm>
+            <a:off x="1136428" y="2907007"/>
+            <a:ext cx="8182303" cy="646331"/>
+          </a:xfrm>
+          <a:prstGeom prst="rect">
+            <a:avLst/>
+          </a:prstGeom>
+          <a:noFill/>
+        </p:spPr>
+        <p:txBody>
+          <a:bodyPr wrap="square" rtlCol="0">
+            <a:spAutoFit/>
+          </a:bodyPr>
+          <a:lstStyle/>
+          <a:p>
+            <a:pPr marL="285750" indent="-285750">
+              <a:buFont typeface="Arial" panose="020B0604020202020204" pitchFamily="34" charset="0"/>
+              <a:buChar char="•"/>
+            </a:pPr>
+            <a:r>
+              <a:rPr lang="en-US" dirty="0"/>
+              <a:t>Stopped instances will be charged according the size hard drive you specified.</a:t>
+            </a:r>
+          </a:p>
+          <a:p>
+            <a:pPr marL="285750" indent="-285750">
+              <a:buFont typeface="Arial" panose="020B0604020202020204" pitchFamily="34" charset="0"/>
+              <a:buChar char="•"/>
+            </a:pPr>
+            <a:r>
+              <a:rPr lang="en-US" dirty="0"/>
+              <a:t>Larger hard drive = higher price</a:t>
+            </a:r>
+          </a:p>
+        </p:txBody>
+      </p:sp>
+    </p:spTree>
+    <p:extLst>
+      <p:ext uri="{BB962C8B-B14F-4D97-AF65-F5344CB8AC3E}">
+        <p14:creationId xmlns:p14="http://schemas.microsoft.com/office/powerpoint/2010/main" val="646006551"/>
       </p:ext>
     </p:extLst>
   </p:cSld>
